--- a/Slides/20486Core_14.pptx
+++ b/Slides/20486Core_14.pptx
@@ -44,37 +44,37 @@
   <p:notesSz cx="6858000" cy="9144000"/>
   <p:embeddedFontLst>
     <p:embeddedFont>
-      <p:font typeface="Segoe UI" panose="020B0502040204020203" pitchFamily="34" charset="0"/>
+      <p:font typeface="Calibri" panose="020F0502020204030204" pitchFamily="34" charset="0"/>
       <p:regular r:id="rId34"/>
       <p:bold r:id="rId35"/>
       <p:italic r:id="rId36"/>
       <p:boldItalic r:id="rId37"/>
     </p:embeddedFont>
     <p:embeddedFont>
-      <p:font typeface="Calibri" panose="020F0502020204030204" pitchFamily="34" charset="0"/>
+      <p:font typeface="Arial Unicode MS" panose="020B0604020202020204" charset="-128"/>
       <p:regular r:id="rId38"/>
-      <p:bold r:id="rId39"/>
-      <p:italic r:id="rId40"/>
-      <p:boldItalic r:id="rId41"/>
     </p:embeddedFont>
     <p:embeddedFont>
-      <p:font typeface="Arial Unicode MS" panose="020B0604020202020204" charset="-128"/>
-      <p:regular r:id="rId42"/>
+      <p:font typeface="Verdana" panose="020B0604030504040204" pitchFamily="34" charset="0"/>
+      <p:regular r:id="rId39"/>
+      <p:bold r:id="rId40"/>
+      <p:italic r:id="rId41"/>
+      <p:boldItalic r:id="rId42"/>
     </p:embeddedFont>
     <p:embeddedFont>
-      <p:font typeface="Segoe Light" panose="020B0604020202020204" charset="0"/>
+      <p:font typeface="Segoe UI Light" panose="020B0502040204020203" pitchFamily="34" charset="0"/>
       <p:regular r:id="rId43"/>
       <p:italic r:id="rId44"/>
     </p:embeddedFont>
     <p:embeddedFont>
-      <p:font typeface="Verdana" panose="020B0604030504040204" pitchFamily="34" charset="0"/>
+      <p:font typeface="Segoe UI" panose="020B0502040204020203" pitchFamily="34" charset="0"/>
       <p:regular r:id="rId45"/>
       <p:bold r:id="rId46"/>
       <p:italic r:id="rId47"/>
       <p:boldItalic r:id="rId48"/>
     </p:embeddedFont>
     <p:embeddedFont>
-      <p:font typeface="Segoe UI Light" panose="020B0502040204020203" pitchFamily="34" charset="0"/>
+      <p:font typeface="Segoe Light" panose="020B0604020202020204" charset="0"/>
       <p:regular r:id="rId49"/>
       <p:italic r:id="rId50"/>
     </p:embeddedFont>
@@ -293,7 +293,7 @@
             <a:fld id="{3DDCB8FA-87ED-4070-8305-1F46E48032B7}" type="datetimeFigureOut">
               <a:rPr lang="en-US" smtClean="0"/>
               <a:pPr/>
-              <a:t>11/30/2016</a:t>
+              <a:t>12/20/2016</a:t>
             </a:fld>
             <a:endParaRPr lang="en-US"/>
           </a:p>
@@ -588,8 +588,8 @@
         </p:nvSpPr>
         <p:spPr>
           <a:xfrm>
-            <a:off x="4325111" y="73151"/>
-            <a:ext cx="2468880" cy="1851660"/>
+            <a:off x="4325938" y="73025"/>
+            <a:ext cx="2466975" cy="1851025"/>
           </a:xfrm>
         </p:spPr>
       </p:sp>
@@ -8005,8 +8005,8 @@
         </p:nvSpPr>
         <p:spPr>
           <a:xfrm>
-            <a:off x="4325111" y="73151"/>
-            <a:ext cx="2468880" cy="1851660"/>
+            <a:off x="4325938" y="73025"/>
+            <a:ext cx="2466975" cy="1851025"/>
           </a:xfrm>
         </p:spPr>
       </p:sp>
@@ -12482,24 +12482,20 @@
             <a:spLocks noGrp="1"/>
           </p:cNvSpPr>
           <p:nvPr>
-            <p:ph type="ctrTitle" sz="quarter"/>
+            <p:ph type="title"/>
           </p:nvPr>
         </p:nvSpPr>
-        <p:spPr>
-          <a:xfrm>
-            <a:off x="3106782" y="3169492"/>
-            <a:ext cx="5732417" cy="340093"/>
-          </a:xfrm>
-        </p:spPr>
+        <p:spPr/>
         <p:txBody>
           <a:bodyPr/>
           <a:lstStyle/>
           <a:p>
-            <a:r>
-              <a:rPr lang="en-US" sz="2600" smtClean="0"/>
+            <a:pPr algn="ctr"/>
+            <a:r>
+              <a:rPr lang="en-US" sz="2600" dirty="0" smtClean="0"/>
               <a:t>Module14</a:t>
             </a:r>
-            <a:endParaRPr lang="en-US" sz="2600"/>
+            <a:endParaRPr lang="en-US" sz="2600" dirty="0"/>
           </a:p>
         </p:txBody>
       </p:sp>
@@ -12510,20 +12506,58 @@
             <a:spLocks noGrp="1"/>
           </p:cNvSpPr>
           <p:nvPr>
-            <p:ph type="subTitle" sz="quarter" idx="1"/>
+            <p:ph idx="1"/>
           </p:nvPr>
         </p:nvSpPr>
         <p:spPr/>
         <p:txBody>
-          <a:bodyPr/>
+          <a:bodyPr anchor="ctr"/>
           <a:lstStyle/>
           <a:p>
-            <a:r>
-              <a:rPr lang="en-US" smtClean="0"/>
-              <a:t>Implementing Web APIs in ASP.NET MVC 4 Web Applications
-</a:t>
-            </a:r>
-            <a:endParaRPr lang="en-US"/>
+            <a:pPr marL="0" indent="0" algn="ctr">
+              <a:buNone/>
+            </a:pPr>
+            <a:r>
+              <a:rPr lang="en-US" sz="4400" dirty="0" smtClean="0"/>
+              <a:t>Implementing Web APIs </a:t>
+            </a:r>
+            <a:endParaRPr lang="en-US" sz="4400" dirty="0" smtClean="0"/>
+          </a:p>
+          <a:p>
+            <a:pPr marL="0" indent="0" algn="ctr">
+              <a:buNone/>
+            </a:pPr>
+            <a:r>
+              <a:rPr lang="en-US" sz="4400" dirty="0" smtClean="0"/>
+              <a:t>in </a:t>
+            </a:r>
+          </a:p>
+          <a:p>
+            <a:pPr marL="0" indent="0" algn="ctr">
+              <a:buNone/>
+            </a:pPr>
+            <a:r>
+              <a:rPr lang="en-US" sz="4400" dirty="0" smtClean="0"/>
+              <a:t>ASP.NET </a:t>
+            </a:r>
+            <a:r>
+              <a:rPr lang="en-US" sz="4400" dirty="0" smtClean="0"/>
+              <a:t>MVC </a:t>
+            </a:r>
+            <a:r>
+              <a:rPr lang="en-US" sz="4400" dirty="0" smtClean="0"/>
+              <a:t>Core </a:t>
+            </a:r>
+          </a:p>
+          <a:p>
+            <a:pPr marL="0" indent="0" algn="ctr">
+              <a:buNone/>
+            </a:pPr>
+            <a:r>
+              <a:rPr lang="en-US" sz="4400" dirty="0" smtClean="0"/>
+              <a:t>Web Applications</a:t>
+            </a:r>
+            <a:endParaRPr lang="en-US" sz="4400" dirty="0"/>
           </a:p>
         </p:txBody>
       </p:sp>
@@ -13865,11 +13899,7 @@
             </a:pPr>
             <a:r>
               <a:rPr lang="en-US" dirty="0" smtClean="0"/>
-              <a:t>Web API can return data in JSON </a:t>
-            </a:r>
-            <a:r>
-              <a:rPr lang="en-US" dirty="0" smtClean="0"/>
-              <a:t>formats</a:t>
+              <a:t>Web API can return data in JSON formats</a:t>
             </a:r>
           </a:p>
           <a:p>
@@ -13882,7 +13912,6 @@
               <a:rPr lang="en-US" dirty="0" smtClean="0"/>
               <a:t>Additional formatters can be added</a:t>
             </a:r>
-            <a:endParaRPr lang="en-US" dirty="0" smtClean="0"/>
           </a:p>
           <a:p>
             <a:pPr marL="365125" indent="-365125">
@@ -15767,15 +15796,7 @@
           <a:p>
             <a:r>
               <a:rPr lang="en-US" dirty="0" smtClean="0"/>
-              <a:t>Calling Web APIs by Using </a:t>
-            </a:r>
-            <a:r>
-              <a:rPr lang="en-US" dirty="0" smtClean="0"/>
-              <a:t>C# </a:t>
-            </a:r>
-            <a:r>
-              <a:rPr lang="en-US" dirty="0" smtClean="0"/>
-              <a:t>Code</a:t>
+              <a:t>Calling Web APIs by Using C# Code</a:t>
             </a:r>
             <a:endParaRPr lang="en-US" dirty="0"/>
           </a:p>
@@ -16043,15 +16064,7 @@
             <a:pPr lvl="0"/>
             <a:r>
               <a:rPr lang="en-US" dirty="0" smtClean="0"/>
-              <a:t>Add </a:t>
-            </a:r>
-            <a:r>
-              <a:rPr lang="en-US" dirty="0" smtClean="0"/>
-              <a:t>code to initialize </a:t>
-            </a:r>
-            <a:r>
-              <a:rPr lang="en-US" dirty="0" smtClean="0"/>
-              <a:t>the </a:t>
+              <a:t>Add code to initialize the </a:t>
             </a:r>
             <a:r>
               <a:rPr lang="en-US" b="1" dirty="0" err="1" smtClean="0"/>
@@ -16059,11 +16072,7 @@
             </a:r>
             <a:r>
               <a:rPr lang="en-US" dirty="0" smtClean="0"/>
-              <a:t> </a:t>
-            </a:r>
-            <a:r>
-              <a:rPr lang="en-US" dirty="0" smtClean="0"/>
-              <a:t>class</a:t>
+              <a:t> class</a:t>
             </a:r>
           </a:p>
           <a:p>
@@ -16106,11 +16115,7 @@
             </a:r>
             <a:r>
               <a:rPr lang="en-US" dirty="0" smtClean="0"/>
-              <a:t> </a:t>
-            </a:r>
-            <a:r>
-              <a:rPr lang="en-US" dirty="0" smtClean="0"/>
-              <a:t>and </a:t>
+              <a:t> and </a:t>
             </a:r>
             <a:r>
               <a:rPr lang="en-US" b="1" dirty="0" err="1" smtClean="0"/>
@@ -16134,7 +16139,6 @@
               <a:rPr lang="en-US" dirty="0"/>
               <a:t>https://docs.microsoft.com/en-us/dotnet/articles/csharp/tutorials/console-webapiclient</a:t>
             </a:r>
-            <a:endParaRPr lang="en-US" dirty="0"/>
           </a:p>
         </p:txBody>
       </p:sp>
@@ -16657,15 +16661,7 @@
           <a:p>
             <a:r>
               <a:rPr lang="en-US" dirty="0" smtClean="0"/>
-              <a:t>Calling Web APIs by Using </a:t>
-            </a:r>
-            <a:r>
-              <a:rPr lang="en-US" dirty="0" smtClean="0"/>
-              <a:t>JavaScript </a:t>
-            </a:r>
-            <a:r>
-              <a:rPr lang="en-US" dirty="0" smtClean="0"/>
-              <a:t>Code</a:t>
+              <a:t>Calling Web APIs by Using JavaScript Code</a:t>
             </a:r>
             <a:endParaRPr lang="en-US" dirty="0"/>
           </a:p>
@@ -17315,10 +17311,18 @@
           <a:lstStyle/>
           <a:p>
             <a:r>
-              <a:rPr lang="en-US" smtClean="0"/>
-              <a:t>Lab: Implementing APIs in ASP.NET MVC 4 Web Applications</a:t>
-            </a:r>
-            <a:endParaRPr lang="en-US"/>
+              <a:rPr lang="en-US" dirty="0" smtClean="0"/>
+              <a:t>Lab: Implementing APIs in ASP.NET MVC </a:t>
+            </a:r>
+            <a:r>
+              <a:rPr lang="en-US" dirty="0" smtClean="0"/>
+              <a:t>Core </a:t>
+            </a:r>
+            <a:r>
+              <a:rPr lang="en-US" dirty="0" smtClean="0"/>
+              <a:t>Web Applications</a:t>
+            </a:r>
+            <a:endParaRPr lang="en-US" dirty="0"/>
           </a:p>
         </p:txBody>
       </p:sp>
@@ -17339,157 +17343,13 @@
           <a:p>
             <a:r>
               <a:rPr lang="en-US" sz="2600" dirty="0" smtClean="0"/>
-              <a:t>Exercise 1: Adding a Web API to the Photo Sharing Application
-Exercise 2: Using the Web API for a Bing Maps Display</a:t>
+              <a:t>Exercise 1: Adding a Web API to the Photo Sharing </a:t>
+            </a:r>
+            <a:r>
+              <a:rPr lang="en-US" sz="2600" dirty="0" smtClean="0"/>
+              <a:t>Application</a:t>
             </a:r>
             <a:endParaRPr lang="en-US" sz="2600" dirty="0"/>
-          </a:p>
-        </p:txBody>
-      </p:sp>
-      <p:sp>
-        <p:nvSpPr>
-          <p:cNvPr id="4" name="TextBox 3"/>
-          <p:cNvSpPr txBox="1"/>
-          <p:nvPr/>
-        </p:nvSpPr>
-        <p:spPr>
-          <a:xfrm>
-            <a:off x="458787" y="2438400"/>
-            <a:ext cx="8119156" cy="523220"/>
-          </a:xfrm>
-          <a:prstGeom prst="rect">
-            <a:avLst/>
-          </a:prstGeom>
-          <a:noFill/>
-        </p:spPr>
-        <p:txBody>
-          <a:bodyPr vert="horz" rtlCol="0">
-            <a:spAutoFit/>
-          </a:bodyPr>
-          <a:lstStyle/>
-          <a:p>
-            <a:r>
-              <a:rPr lang="en-US" sz="2800" dirty="0" smtClean="0">
-                <a:latin typeface="Segoe UI"/>
-              </a:rPr>
-              <a:t>Logon Information</a:t>
-            </a:r>
-            <a:endParaRPr lang="en-US" sz="2800" dirty="0">
-              <a:latin typeface="Segoe UI"/>
-            </a:endParaRPr>
-          </a:p>
-        </p:txBody>
-      </p:sp>
-      <p:sp>
-        <p:nvSpPr>
-          <p:cNvPr id="5" name="TextBox 4"/>
-          <p:cNvSpPr txBox="1"/>
-          <p:nvPr/>
-        </p:nvSpPr>
-        <p:spPr>
-          <a:xfrm>
-            <a:off x="458787" y="2819400"/>
-            <a:ext cx="8119156" cy="3108543"/>
-          </a:xfrm>
-          <a:prstGeom prst="rect">
-            <a:avLst/>
-          </a:prstGeom>
-          <a:noFill/>
-        </p:spPr>
-        <p:txBody>
-          <a:bodyPr vert="horz" rtlCol="0">
-            <a:spAutoFit/>
-          </a:bodyPr>
-          <a:lstStyle/>
-          <a:p>
-            <a:endParaRPr lang="en-US" sz="2800" baseline="0" dirty="0" smtClean="0">
-              <a:latin typeface="Segoe UI"/>
-            </a:endParaRPr>
-          </a:p>
-          <a:p>
-            <a:r>
-              <a:rPr lang="en-US" sz="2800" baseline="0" dirty="0" smtClean="0">
-                <a:latin typeface="Segoe UI"/>
-              </a:rPr>
-              <a:t>Virtual Machine: </a:t>
-            </a:r>
-            <a:r>
-              <a:rPr lang="en-US" sz="2800" b="1" baseline="0" dirty="0" smtClean="0">
-                <a:latin typeface="Segoe UI"/>
-              </a:rPr>
-              <a:t>20486B-SEA-DEV11 </a:t>
-            </a:r>
-          </a:p>
-          <a:p>
-            <a:r>
-              <a:rPr lang="en-US" sz="2800" baseline="0" dirty="0" smtClean="0">
-                <a:latin typeface="Segoe UI"/>
-              </a:rPr>
-              <a:t>User name: </a:t>
-            </a:r>
-            <a:r>
-              <a:rPr lang="en-US" sz="2800" b="1" baseline="0" dirty="0" smtClean="0">
-                <a:latin typeface="Segoe UI"/>
-              </a:rPr>
-              <a:t>Admin</a:t>
-            </a:r>
-          </a:p>
-          <a:p>
-            <a:r>
-              <a:rPr lang="en-US" sz="2800" baseline="0" dirty="0" smtClean="0">
-                <a:latin typeface="Segoe UI"/>
-              </a:rPr>
-              <a:t>Password: </a:t>
-            </a:r>
-            <a:r>
-              <a:rPr lang="en-US" sz="2800" b="1" baseline="0" dirty="0" smtClean="0">
-                <a:latin typeface="Segoe UI"/>
-              </a:rPr>
-              <a:t>Pa$$w0rd</a:t>
-            </a:r>
-          </a:p>
-          <a:p>
-            <a:endParaRPr lang="en-US" sz="2800" b="1" baseline="0" dirty="0" smtClean="0">
-              <a:latin typeface="Segoe UI"/>
-            </a:endParaRPr>
-          </a:p>
-          <a:p>
-            <a:r>
-              <a:rPr lang="en-US" sz="2800" b="1" baseline="0" dirty="0" smtClean="0">
-                <a:latin typeface="Segoe UI"/>
-              </a:rPr>
-              <a:t>Note:</a:t>
-            </a:r>
-            <a:r>
-              <a:rPr lang="en-US" sz="2800" b="1" dirty="0" smtClean="0">
-                <a:latin typeface="Segoe UI"/>
-              </a:rPr>
-              <a:t> </a:t>
-            </a:r>
-            <a:r>
-              <a:rPr lang="en-US" sz="2800" baseline="0" dirty="0" smtClean="0">
-                <a:latin typeface="Segoe UI"/>
-              </a:rPr>
-              <a:t>In Hyper-V Manager, start the </a:t>
-            </a:r>
-            <a:r>
-              <a:rPr lang="en-US" sz="2800" b="1" baseline="0" dirty="0" smtClean="0">
-                <a:latin typeface="Segoe UI"/>
-              </a:rPr>
-              <a:t>MSL-TMG1 </a:t>
-            </a:r>
-            <a:r>
-              <a:rPr lang="en-US" sz="2800" baseline="0" dirty="0" smtClean="0">
-                <a:latin typeface="Segoe UI"/>
-              </a:rPr>
-              <a:t>virtual machine if it is not already running.</a:t>
-            </a:r>
-            <a:endParaRPr lang="en-US" sz="2800" dirty="0">
-              <a:solidFill>
-                <a:srgbClr val="000000"/>
-              </a:solidFill>
-              <a:latin typeface="Segoe UI"/>
-            </a:endParaRPr>
           </a:p>
         </p:txBody>
       </p:sp>
@@ -17765,16 +17625,24 @@
           <a:lstStyle/>
           <a:p>
             <a:r>
-              <a:rPr lang="en-US" smtClean="0"/>
+              <a:rPr lang="en-US" dirty="0" smtClean="0"/>
               <a:t>What Is a Web API?
 Routing in Web API
-Creating a Web API for an MVC 4 Web Application
+Creating a Web API for an MVC </a:t>
+            </a:r>
+            <a:r>
+              <a:rPr lang="en-US" dirty="0" smtClean="0"/>
+              <a:t>Core </a:t>
+            </a:r>
+            <a:r>
+              <a:rPr lang="en-US" dirty="0" smtClean="0"/>
+              <a:t>Web Application
 RESTful Services
 Data Return Formats
 Using Routes and Controllers in Web APIs
 Demonstration: How to Explore a Web API by Using Internet Explorer</a:t>
             </a:r>
-            <a:endParaRPr lang="en-US"/>
+            <a:endParaRPr lang="en-US" dirty="0"/>
           </a:p>
         </p:txBody>
       </p:sp>
@@ -18570,11 +18438,7 @@
           <a:p>
             <a:r>
               <a:rPr lang="en-US" dirty="0" smtClean="0"/>
-              <a:t>Use the </a:t>
-            </a:r>
-            <a:r>
-              <a:rPr lang="en-US" dirty="0" smtClean="0"/>
-              <a:t>following attributes to control the mapping of HTTP </a:t>
+              <a:t>Use the following attributes to control the mapping of HTTP </a:t>
             </a:r>
             <a:r>
               <a:rPr lang="en-US" dirty="0"/>
@@ -18582,15 +18446,7 @@
             </a:r>
             <a:r>
               <a:rPr lang="en-US" dirty="0" smtClean="0"/>
-              <a:t>equests </a:t>
-            </a:r>
-            <a:r>
-              <a:rPr lang="en-US" dirty="0" smtClean="0"/>
-              <a:t>to </a:t>
-            </a:r>
-            <a:r>
-              <a:rPr lang="en-US" dirty="0" smtClean="0"/>
-              <a:t>actions in the controller:</a:t>
+              <a:t>equests to actions in the controller:</a:t>
             </a:r>
           </a:p>
           <a:p>
@@ -18668,10 +18524,18 @@
           <a:lstStyle/>
           <a:p>
             <a:r>
-              <a:rPr lang="en-US" smtClean="0"/>
-              <a:t>Creating a Web API for an MVC 4 Web Application</a:t>
-            </a:r>
-            <a:endParaRPr lang="en-US"/>
+              <a:rPr lang="en-US" dirty="0" smtClean="0"/>
+              <a:t>Creating a Web API for an MVC </a:t>
+            </a:r>
+            <a:r>
+              <a:rPr lang="en-US" dirty="0" smtClean="0"/>
+              <a:t>Core </a:t>
+            </a:r>
+            <a:r>
+              <a:rPr lang="en-US" dirty="0" smtClean="0"/>
+              <a:t>Web Application</a:t>
+            </a:r>
+            <a:endParaRPr lang="en-US" dirty="0"/>
           </a:p>
         </p:txBody>
       </p:sp>
@@ -18926,15 +18790,7 @@
             </a:pPr>
             <a:r>
               <a:rPr lang="en-US" dirty="0" smtClean="0"/>
-              <a:t>To create a Web API for an </a:t>
-            </a:r>
-            <a:r>
-              <a:rPr lang="en-US" dirty="0" smtClean="0"/>
-              <a:t>MVC Core </a:t>
-            </a:r>
-            <a:r>
-              <a:rPr lang="en-US" dirty="0" smtClean="0"/>
-              <a:t>application:</a:t>
+              <a:t>To create a Web API for an MVC Core application:</a:t>
             </a:r>
           </a:p>
           <a:p>
@@ -18973,19 +18829,7 @@
             </a:r>
             <a:r>
               <a:rPr lang="en-US" b="1" dirty="0" smtClean="0"/>
-              <a:t>ASP.NET </a:t>
-            </a:r>
-            <a:r>
-              <a:rPr lang="en-US" b="1" dirty="0" smtClean="0"/>
-              <a:t>Core </a:t>
-            </a:r>
-            <a:r>
-              <a:rPr lang="en-US" b="1" dirty="0" smtClean="0"/>
-              <a:t>Web </a:t>
-            </a:r>
-            <a:r>
-              <a:rPr lang="en-US" b="1" dirty="0" smtClean="0"/>
-              <a:t>Application (.NET Core)</a:t>
+              <a:t>ASP.NET Core Web Application (.NET Core)</a:t>
             </a:r>
             <a:endParaRPr lang="en-US" dirty="0" smtClean="0"/>
           </a:p>
@@ -19008,15 +18852,7 @@
             </a:r>
             <a:r>
               <a:rPr lang="en-US" b="1" dirty="0" smtClean="0"/>
-              <a:t>New ASP.NET </a:t>
-            </a:r>
-            <a:r>
-              <a:rPr lang="en-US" b="1" dirty="0" smtClean="0"/>
-              <a:t>Core </a:t>
-            </a:r>
-            <a:r>
-              <a:rPr lang="en-US" b="1" dirty="0" smtClean="0"/>
-              <a:t>Project </a:t>
+              <a:t>New ASP.NET Core Project </a:t>
             </a:r>
             <a:r>
               <a:rPr lang="en-US" dirty="0" smtClean="0"/>
@@ -19056,15 +18892,7 @@
             <a:pPr marL="1431925" lvl="3" indent="-342900"/>
             <a:r>
               <a:rPr lang="en-US" dirty="0" smtClean="0"/>
-              <a:t>Derives from the </a:t>
-            </a:r>
-            <a:r>
-              <a:rPr lang="en-US" dirty="0" smtClean="0"/>
-              <a:t>Controller </a:t>
-            </a:r>
-            <a:r>
-              <a:rPr lang="en-US" dirty="0" smtClean="0"/>
-              <a:t>base class</a:t>
+              <a:t>Derives from the Controller base class</a:t>
             </a:r>
           </a:p>
           <a:p>
@@ -19425,7 +19253,6 @@
               <a:rPr lang="en-US" b="1" dirty="0" smtClean="0"/>
               <a:t>GET (Read)</a:t>
             </a:r>
-            <a:endParaRPr lang="en-US" b="1" dirty="0" smtClean="0"/>
           </a:p>
           <a:p>
             <a:pPr lvl="2"/>
@@ -19433,7 +19260,6 @@
               <a:rPr lang="en-US" b="1" dirty="0" smtClean="0"/>
               <a:t>POST (Create)</a:t>
             </a:r>
-            <a:endParaRPr lang="en-US" b="1" dirty="0" smtClean="0"/>
           </a:p>
           <a:p>
             <a:pPr lvl="2"/>
@@ -19441,7 +19267,6 @@
               <a:rPr lang="en-US" b="1" dirty="0" smtClean="0"/>
               <a:t>PUT (Update)</a:t>
             </a:r>
-            <a:endParaRPr lang="en-US" b="1" dirty="0" smtClean="0"/>
           </a:p>
           <a:p>
             <a:pPr lvl="2"/>
@@ -19449,7 +19274,6 @@
               <a:rPr lang="en-US" b="1" dirty="0" smtClean="0"/>
               <a:t>DELETE (Delete)</a:t>
             </a:r>
-            <a:endParaRPr lang="en-US" b="1" dirty="0" smtClean="0"/>
           </a:p>
           <a:p>
             <a:endParaRPr lang="en-US" dirty="0"/>
